--- a/中間発表資料.pptx
+++ b/中間発表資料.pptx
@@ -7144,7 +7144,7 @@
         </p:blipFill>
         <p:spPr>
           <a:xfrm>
-            <a:off x="499386" y="3858280"/>
+            <a:off x="838200" y="3858280"/>
             <a:ext cx="1682582" cy="1676709"/>
           </a:xfrm>
           <a:prstGeom prst="rect">
@@ -7210,7 +7210,7 @@
         </p:blipFill>
         <p:spPr>
           <a:xfrm>
-            <a:off x="3647878" y="4193524"/>
+            <a:off x="3986692" y="4193524"/>
             <a:ext cx="1409595" cy="1341465"/>
           </a:xfrm>
         </p:spPr>
@@ -7243,7 +7243,7 @@
         </p:blipFill>
         <p:spPr>
           <a:xfrm>
-            <a:off x="10193054" y="4472841"/>
+            <a:off x="10531868" y="4472841"/>
             <a:ext cx="1014163" cy="1014163"/>
           </a:xfrm>
           <a:prstGeom prst="rect">
@@ -7279,7 +7279,7 @@
         </p:blipFill>
         <p:spPr>
           <a:xfrm>
-            <a:off x="6523383" y="4539457"/>
+            <a:off x="6862197" y="4539457"/>
             <a:ext cx="1973290" cy="880933"/>
           </a:xfrm>
           <a:prstGeom prst="rect">
@@ -7315,7 +7315,7 @@
         </p:blipFill>
         <p:spPr>
           <a:xfrm>
-            <a:off x="838200" y="4272434"/>
+            <a:off x="1177014" y="4272434"/>
             <a:ext cx="1004953" cy="1139141"/>
           </a:xfrm>
           <a:prstGeom prst="rect">
@@ -7351,7 +7351,7 @@
         </p:blipFill>
         <p:spPr>
           <a:xfrm>
-            <a:off x="3721753" y="1730886"/>
+            <a:off x="7244238" y="1917662"/>
             <a:ext cx="1491319" cy="854674"/>
           </a:xfrm>
           <a:prstGeom prst="rect">
@@ -7373,7 +7373,7 @@
         </p:nvSpPr>
         <p:spPr>
           <a:xfrm>
-            <a:off x="2416629" y="5170714"/>
+            <a:off x="2755443" y="5170714"/>
             <a:ext cx="1231249" cy="240861"/>
           </a:xfrm>
           <a:prstGeom prst="rightArrow">
@@ -7427,7 +7427,7 @@
         </p:nvSpPr>
         <p:spPr>
           <a:xfrm flipH="1">
-            <a:off x="8751260" y="4601143"/>
+            <a:off x="9090074" y="4601143"/>
             <a:ext cx="1266895" cy="240861"/>
           </a:xfrm>
           <a:prstGeom prst="rightArrow">
@@ -7481,7 +7481,7 @@
         </p:nvSpPr>
         <p:spPr>
           <a:xfrm>
-            <a:off x="8783459" y="5204662"/>
+            <a:off x="9122273" y="5204662"/>
             <a:ext cx="1231249" cy="240861"/>
           </a:xfrm>
           <a:prstGeom prst="rightArrow">
@@ -7535,7 +7535,7 @@
         </p:nvSpPr>
         <p:spPr>
           <a:xfrm>
-            <a:off x="5204363" y="5225747"/>
+            <a:off x="5543177" y="5225747"/>
             <a:ext cx="1231249" cy="240861"/>
           </a:xfrm>
           <a:prstGeom prst="rightArrow">
@@ -7589,7 +7589,7 @@
         </p:nvSpPr>
         <p:spPr>
           <a:xfrm flipH="1">
-            <a:off x="2348784" y="4601143"/>
+            <a:off x="2687598" y="4601143"/>
             <a:ext cx="1266895" cy="240861"/>
           </a:xfrm>
           <a:prstGeom prst="rightArrow">
@@ -7643,7 +7643,7 @@
         </p:nvSpPr>
         <p:spPr>
           <a:xfrm flipH="1">
-            <a:off x="5121870" y="4628546"/>
+            <a:off x="5460684" y="4628546"/>
             <a:ext cx="1266895" cy="240861"/>
           </a:xfrm>
           <a:prstGeom prst="rightArrow">
@@ -7697,7 +7697,7 @@
         </p:nvSpPr>
         <p:spPr>
           <a:xfrm rot="16200000" flipH="1">
-            <a:off x="3833964" y="3358261"/>
+            <a:off x="7356449" y="3545037"/>
             <a:ext cx="1266895" cy="240861"/>
           </a:xfrm>
           <a:prstGeom prst="rightArrow">
@@ -7751,7 +7751,7 @@
         </p:nvSpPr>
         <p:spPr>
           <a:xfrm>
-            <a:off x="2416629" y="5604604"/>
+            <a:off x="2755443" y="5604604"/>
             <a:ext cx="1539711" cy="646331"/>
           </a:xfrm>
           <a:prstGeom prst="rect">
@@ -7787,7 +7787,7 @@
         </p:nvSpPr>
         <p:spPr>
           <a:xfrm>
-            <a:off x="2260303" y="3914120"/>
+            <a:off x="2599117" y="3914120"/>
             <a:ext cx="1539711" cy="646331"/>
           </a:xfrm>
           <a:prstGeom prst="rect">
@@ -7835,7 +7835,7 @@
         </p:nvSpPr>
         <p:spPr>
           <a:xfrm>
-            <a:off x="5139049" y="5611818"/>
+            <a:off x="5477863" y="5611818"/>
             <a:ext cx="1539711" cy="369332"/>
           </a:xfrm>
           <a:prstGeom prst="rect">
@@ -7871,7 +7871,7 @@
         </p:nvSpPr>
         <p:spPr>
           <a:xfrm>
-            <a:off x="5089672" y="3774572"/>
+            <a:off x="5297398" y="3774645"/>
             <a:ext cx="1663183" cy="646331"/>
           </a:xfrm>
           <a:prstGeom prst="rect">
@@ -7906,7 +7906,7 @@
         </p:nvSpPr>
         <p:spPr>
           <a:xfrm>
-            <a:off x="8538426" y="4087767"/>
+            <a:off x="8877240" y="4087767"/>
             <a:ext cx="1654628" cy="369332"/>
           </a:xfrm>
           <a:prstGeom prst="rect">
@@ -7942,7 +7942,7 @@
         </p:nvSpPr>
         <p:spPr>
           <a:xfrm>
-            <a:off x="8336666" y="5605978"/>
+            <a:off x="8675480" y="5605978"/>
             <a:ext cx="2096082" cy="369332"/>
           </a:xfrm>
           <a:prstGeom prst="rect">
@@ -7978,7 +7978,7 @@
         </p:nvSpPr>
         <p:spPr>
           <a:xfrm>
-            <a:off x="4685533" y="2995400"/>
+            <a:off x="8208018" y="3182176"/>
             <a:ext cx="1828510" cy="369332"/>
           </a:xfrm>
           <a:prstGeom prst="rect">
@@ -7995,6 +7995,146 @@
             <a:r>
               <a:rPr lang="ja-JP" altLang="en-US" dirty="0"/>
               <a:t>位置情報を取得</a:t>
+            </a:r>
+            <a:endParaRPr kumimoji="1" lang="ja-JP" altLang="en-US" dirty="0"/>
+          </a:p>
+        </p:txBody>
+      </p:sp>
+      <p:sp>
+        <p:nvSpPr>
+          <p:cNvPr id="3" name="テキスト ボックス 2">
+            <a:extLst>
+              <a:ext uri="{FF2B5EF4-FFF2-40B4-BE49-F238E27FC236}">
+                <a16:creationId xmlns:a16="http://schemas.microsoft.com/office/drawing/2014/main" id="{EE0CFB30-9B31-C2F8-31C5-929E03BE858E}"/>
+              </a:ext>
+            </a:extLst>
+          </p:cNvPr>
+          <p:cNvSpPr txBox="1"/>
+          <p:nvPr/>
+        </p:nvSpPr>
+        <p:spPr>
+          <a:xfrm>
+            <a:off x="4947763" y="1834528"/>
+            <a:ext cx="1491318" cy="923330"/>
+          </a:xfrm>
+          <a:prstGeom prst="rect">
+            <a:avLst/>
+          </a:prstGeom>
+          <a:noFill/>
+          <a:ln w="38100">
+            <a:solidFill>
+              <a:schemeClr val="accent1"/>
+            </a:solidFill>
+          </a:ln>
+        </p:spPr>
+        <p:txBody>
+          <a:bodyPr wrap="square" rtlCol="0" anchor="ctr">
+            <a:spAutoFit/>
+          </a:bodyPr>
+          <a:lstStyle/>
+          <a:p>
+            <a:pPr algn="ctr"/>
+            <a:endParaRPr kumimoji="1" lang="en-US" altLang="ja-JP" dirty="0"/>
+          </a:p>
+          <a:p>
+            <a:pPr algn="ctr"/>
+            <a:r>
+              <a:rPr kumimoji="1" lang="ja-JP" altLang="en-US" dirty="0"/>
+              <a:t>天気サイト</a:t>
+            </a:r>
+            <a:endParaRPr kumimoji="1" lang="en-US" altLang="ja-JP" dirty="0"/>
+          </a:p>
+          <a:p>
+            <a:pPr algn="ctr"/>
+            <a:endParaRPr kumimoji="1" lang="ja-JP" altLang="en-US" dirty="0"/>
+          </a:p>
+        </p:txBody>
+      </p:sp>
+      <p:sp>
+        <p:nvSpPr>
+          <p:cNvPr id="4" name="矢印: 右 3">
+            <a:extLst>
+              <a:ext uri="{FF2B5EF4-FFF2-40B4-BE49-F238E27FC236}">
+                <a16:creationId xmlns:a16="http://schemas.microsoft.com/office/drawing/2014/main" id="{31BC5914-FEC0-DF5F-447C-A5535E450867}"/>
+              </a:ext>
+            </a:extLst>
+          </p:cNvPr>
+          <p:cNvSpPr/>
+          <p:nvPr/>
+        </p:nvSpPr>
+        <p:spPr>
+          <a:xfrm rot="13853055" flipH="1">
+            <a:off x="6467067" y="3454866"/>
+            <a:ext cx="1266895" cy="240861"/>
+          </a:xfrm>
+          <a:prstGeom prst="rightArrow">
+            <a:avLst/>
+          </a:prstGeom>
+          <a:solidFill>
+            <a:schemeClr val="bg1"/>
+          </a:solidFill>
+          <a:ln>
+            <a:solidFill>
+              <a:schemeClr val="tx1"/>
+            </a:solidFill>
+          </a:ln>
+        </p:spPr>
+        <p:style>
+          <a:lnRef idx="2">
+            <a:schemeClr val="accent1">
+              <a:shade val="15000"/>
+            </a:schemeClr>
+          </a:lnRef>
+          <a:fillRef idx="1">
+            <a:schemeClr val="accent1"/>
+          </a:fillRef>
+          <a:effectRef idx="0">
+            <a:schemeClr val="accent1"/>
+          </a:effectRef>
+          <a:fontRef idx="minor">
+            <a:schemeClr val="lt1"/>
+          </a:fontRef>
+        </p:style>
+        <p:txBody>
+          <a:bodyPr rtlCol="0" anchor="ctr"/>
+          <a:lstStyle/>
+          <a:p>
+            <a:pPr algn="ctr"/>
+            <a:endParaRPr kumimoji="1" lang="ja-JP" altLang="en-US"/>
+          </a:p>
+        </p:txBody>
+      </p:sp>
+      <p:sp>
+        <p:nvSpPr>
+          <p:cNvPr id="6" name="テキスト ボックス 5">
+            <a:extLst>
+              <a:ext uri="{FF2B5EF4-FFF2-40B4-BE49-F238E27FC236}">
+                <a16:creationId xmlns:a16="http://schemas.microsoft.com/office/drawing/2014/main" id="{8CCB0912-DFD2-4E35-76FA-992B7ECE5BF8}"/>
+              </a:ext>
+            </a:extLst>
+          </p:cNvPr>
+          <p:cNvSpPr txBox="1"/>
+          <p:nvPr/>
+        </p:nvSpPr>
+        <p:spPr>
+          <a:xfrm>
+            <a:off x="3986692" y="3061010"/>
+            <a:ext cx="2549535" cy="369332"/>
+          </a:xfrm>
+          <a:prstGeom prst="rect">
+            <a:avLst/>
+          </a:prstGeom>
+          <a:noFill/>
+        </p:spPr>
+        <p:txBody>
+          <a:bodyPr wrap="square" rtlCol="0">
+            <a:spAutoFit/>
+          </a:bodyPr>
+          <a:lstStyle/>
+          <a:p>
+            <a:r>
+              <a:rPr lang="ja-JP" altLang="en-US" dirty="0"/>
+              <a:t>屋外の気象情報を取得</a:t>
             </a:r>
             <a:endParaRPr kumimoji="1" lang="ja-JP" altLang="en-US" dirty="0"/>
           </a:p>
